--- a/final/lafuta-presentation.pptx
+++ b/final/lafuta-presentation.pptx
@@ -8191,76 +8191,6 @@
           </a:p>
         </p:txBody>
       </p:sp>
-      <p:pic>
-        <p:nvPicPr>
-          <p:cNvPr id="1026" name="Picture 2" descr="https://funthon.files.wordpress.com/2017/05/bs.png?w=772"/>
-          <p:cNvPicPr>
-            <a:picLocks noChangeAspect="1" noChangeArrowheads="1"/>
-          </p:cNvPicPr>
-          <p:nvPr/>
-        </p:nvPicPr>
-        <p:blipFill>
-          <a:blip r:embed="rId3" cstate="print">
-            <a:extLst>
-              <a:ext uri="{28A0092B-C50C-407E-A947-70E740481C1C}">
-                <a14:useLocalDpi xmlns:a14="http://schemas.microsoft.com/office/drawing/2010/main" val="0"/>
-              </a:ext>
-            </a:extLst>
-          </a:blip>
-          <a:srcRect/>
-          <a:stretch>
-            <a:fillRect/>
-          </a:stretch>
-        </p:blipFill>
-        <p:spPr bwMode="auto">
-          <a:xfrm>
-            <a:off x="8169275" y="5486400"/>
-            <a:ext cx="2144713" cy="922338"/>
-          </a:xfrm>
-          <a:prstGeom prst="rect">
-            <a:avLst/>
-          </a:prstGeom>
-          <a:noFill/>
-          <a:extLst>
-            <a:ext uri="{909E8E84-426E-40DD-AFC4-6F175D3DCCD1}">
-              <a14:hiddenFill xmlns:a14="http://schemas.microsoft.com/office/drawing/2010/main">
-                <a:solidFill>
-                  <a:srgbClr val="FFFFFF"/>
-                </a:solidFill>
-              </a14:hiddenFill>
-            </a:ext>
-          </a:extLst>
-        </p:spPr>
-      </p:pic>
-      <p:pic>
-        <p:nvPicPr>
-          <p:cNvPr id="3" name="그림 2"/>
-          <p:cNvPicPr>
-            <a:picLocks noChangeAspect="1"/>
-          </p:cNvPicPr>
-          <p:nvPr/>
-        </p:nvPicPr>
-        <p:blipFill rotWithShape="1">
-          <a:blip r:embed="rId4">
-            <a:extLst>
-              <a:ext uri="{28A0092B-C50C-407E-A947-70E740481C1C}">
-                <a14:useLocalDpi xmlns:a14="http://schemas.microsoft.com/office/drawing/2010/main" val="0"/>
-              </a:ext>
-            </a:extLst>
-          </a:blip>
-          <a:srcRect t="24183"/>
-          <a:stretch/>
-        </p:blipFill>
-        <p:spPr>
-          <a:xfrm>
-            <a:off x="10544838" y="5461912"/>
-            <a:ext cx="1374325" cy="1382345"/>
-          </a:xfrm>
-          <a:prstGeom prst="rect">
-            <a:avLst/>
-          </a:prstGeom>
-        </p:spPr>
-      </p:pic>
     </p:spTree>
     <p:extLst>
       <p:ext uri="{BB962C8B-B14F-4D97-AF65-F5344CB8AC3E}">
@@ -8516,17 +8446,7 @@
                 <a:latin typeface="1훈새마을운동 R" panose="02020603020101020101" pitchFamily="18" charset="-127"/>
                 <a:ea typeface="1훈새마을운동 R" panose="02020603020101020101" pitchFamily="18" charset="-127"/>
               </a:rPr>
-              <a:t>현존 </a:t>
-            </a:r>
-            <a:r>
-              <a:rPr lang="ko-KR" altLang="en-US" sz="2400" dirty="0" smtClean="0">
-                <a:solidFill>
-                  <a:srgbClr val="A57873"/>
-                </a:solidFill>
-                <a:latin typeface="1훈새마을운동 R" panose="02020603020101020101" pitchFamily="18" charset="-127"/>
-                <a:ea typeface="1훈새마을운동 R" panose="02020603020101020101" pitchFamily="18" charset="-127"/>
-              </a:rPr>
-              <a:t>번역기 </a:t>
+              <a:t>현존 번역기 </a:t>
             </a:r>
             <a:r>
               <a:rPr lang="en-US" altLang="ko-KR" sz="2400" dirty="0" smtClean="0">
